--- a/Day15/ScikitLearn/PYTHON_머신러닝.pptx
+++ b/Day15/ScikitLearn/PYTHON_머신러닝.pptx
@@ -5,7 +5,7 @@
     <p:sldMasterId id="2147483648" r:id="rId1"/>
   </p:sldMasterIdLst>
   <p:notesMasterIdLst>
-    <p:notesMasterId r:id="rId25"/>
+    <p:notesMasterId r:id="rId27"/>
   </p:notesMasterIdLst>
   <p:sldIdLst>
     <p:sldId id="259" r:id="rId2"/>
@@ -30,7 +30,9 @@
     <p:sldId id="287" r:id="rId21"/>
     <p:sldId id="288" r:id="rId22"/>
     <p:sldId id="271" r:id="rId23"/>
-    <p:sldId id="289" r:id="rId24"/>
+    <p:sldId id="290" r:id="rId24"/>
+    <p:sldId id="291" r:id="rId25"/>
+    <p:sldId id="289" r:id="rId26"/>
   </p:sldIdLst>
   <p:sldSz cx="12192000" cy="6858000"/>
   <p:notesSz cx="6858000" cy="9144000"/>
@@ -219,7 +221,7 @@
           <a:p>
             <a:fld id="{7EB2AFC3-04D0-465A-BF6B-87FD4A4591A7}" type="datetimeFigureOut">
               <a:rPr lang="ko-KR" altLang="en-US" smtClean="0"/>
-              <a:t>2023-03-08</a:t>
+              <a:t>2023-03-13</a:t>
             </a:fld>
             <a:endParaRPr lang="ko-KR" altLang="en-US"/>
           </a:p>
@@ -1328,47 +1330,84 @@
           <a:bodyPr/>
           <a:lstStyle/>
           <a:p>
-            <a:endParaRPr lang="en-US" altLang="ko-KR" dirty="0"/>
-          </a:p>
-          <a:p>
             <a:r>
               <a:rPr lang="ko-KR" altLang="en-US" b="0" i="0" dirty="0">
                 <a:solidFill>
-                  <a:srgbClr val="222831"/>
+                  <a:srgbClr val="000000"/>
                 </a:solidFill>
                 <a:effectLst/>
                 <a:latin typeface="-apple-system"/>
               </a:rPr>
-              <a:t>정밀도와 </a:t>
+              <a:t>깊은 인공 신경망을 </a:t>
             </a:r>
             <a:r>
               <a:rPr lang="ko-KR" altLang="en-US" b="0" i="0" dirty="0" err="1">
                 <a:solidFill>
-                  <a:srgbClr val="222831"/>
+                  <a:srgbClr val="000000"/>
                 </a:solidFill>
                 <a:effectLst/>
                 <a:latin typeface="-apple-system"/>
               </a:rPr>
-              <a:t>재현율</a:t>
+              <a:t>학습하다보면</a:t>
             </a:r>
             <a:r>
               <a:rPr lang="ko-KR" altLang="en-US" b="0" i="0" dirty="0">
                 <a:solidFill>
-                  <a:srgbClr val="222831"/>
+                  <a:srgbClr val="000000"/>
                 </a:solidFill>
                 <a:effectLst/>
                 <a:latin typeface="-apple-system"/>
               </a:rPr>
-              <a:t> 중 어느 것이 더 중요한지는 경우에 따라 다르다</a:t>
+              <a:t> </a:t>
+            </a:r>
+            <a:r>
+              <a:rPr lang="ko-KR" altLang="en-US" b="0" i="0" dirty="0" err="1">
+                <a:solidFill>
+                  <a:srgbClr val="000000"/>
+                </a:solidFill>
+                <a:effectLst/>
+                <a:latin typeface="-apple-system"/>
+              </a:rPr>
+              <a:t>역전파</a:t>
+            </a:r>
+            <a:r>
+              <a:rPr lang="ko-KR" altLang="en-US" b="0" i="0" dirty="0">
+                <a:solidFill>
+                  <a:srgbClr val="000000"/>
+                </a:solidFill>
+                <a:effectLst/>
+                <a:latin typeface="-apple-system"/>
+              </a:rPr>
+              <a:t> 과정에서 입력층으로 갈 수록 기울기</a:t>
             </a:r>
             <a:r>
               <a:rPr lang="en-US" altLang="ko-KR" b="0" i="0" dirty="0">
                 <a:solidFill>
-                  <a:srgbClr val="222831"/>
+                  <a:srgbClr val="000000"/>
                 </a:solidFill>
                 <a:effectLst/>
                 <a:latin typeface="-apple-system"/>
               </a:rPr>
+              <a:t>(Gradient)</a:t>
+            </a:r>
+            <a:r>
+              <a:rPr lang="ko-KR" altLang="en-US" b="0" i="0" dirty="0">
+                <a:solidFill>
+                  <a:srgbClr val="000000"/>
+                </a:solidFill>
+                <a:effectLst/>
+                <a:latin typeface="-apple-system"/>
+              </a:rPr>
+              <a:t>가 점차적으로 작아지는 현상이 발생할 수 있습니다</a:t>
+            </a:r>
+            <a:r>
+              <a:rPr lang="en-US" altLang="ko-KR" b="0" i="0" dirty="0">
+                <a:solidFill>
+                  <a:srgbClr val="000000"/>
+                </a:solidFill>
+                <a:effectLst/>
+                <a:latin typeface="-apple-system"/>
+              </a:rPr>
               <a:t>. </a:t>
             </a:r>
           </a:p>
@@ -1376,281 +1415,87 @@
             <a:r>
               <a:rPr lang="ko-KR" altLang="en-US" b="0" i="0" dirty="0">
                 <a:solidFill>
-                  <a:srgbClr val="222831"/>
+                  <a:srgbClr val="000000"/>
                 </a:solidFill>
                 <a:effectLst/>
                 <a:latin typeface="-apple-system"/>
               </a:rPr>
-              <a:t>암 판단 모델과 같이 실제 </a:t>
+              <a:t>입력층에 가까운 </a:t>
+            </a:r>
+            <a:r>
+              <a:rPr lang="ko-KR" altLang="en-US" b="0" i="0" dirty="0" err="1">
+                <a:solidFill>
+                  <a:srgbClr val="000000"/>
+                </a:solidFill>
+                <a:effectLst/>
+                <a:latin typeface="-apple-system"/>
+              </a:rPr>
+              <a:t>층들에서</a:t>
+            </a:r>
+            <a:r>
+              <a:rPr lang="ko-KR" altLang="en-US" b="0" i="0" dirty="0">
+                <a:solidFill>
+                  <a:srgbClr val="000000"/>
+                </a:solidFill>
+                <a:effectLst/>
+                <a:latin typeface="-apple-system"/>
+              </a:rPr>
+              <a:t> 가중치들이 업데이트가 제대로 되지 않으면 결국 최적의 모델을 찾을 수 없게 됩니다</a:t>
             </a:r>
             <a:r>
               <a:rPr lang="en-US" altLang="ko-KR" b="0" i="0" dirty="0">
                 <a:solidFill>
-                  <a:srgbClr val="222831"/>
+                  <a:srgbClr val="000000"/>
                 </a:solidFill>
                 <a:effectLst/>
                 <a:latin typeface="-apple-system"/>
               </a:rPr>
-              <a:t>Positive(</a:t>
+              <a:t>. </a:t>
             </a:r>
             <a:r>
               <a:rPr lang="ko-KR" altLang="en-US" b="0" i="0" dirty="0">
                 <a:solidFill>
-                  <a:srgbClr val="222831"/>
+                  <a:srgbClr val="000000"/>
                 </a:solidFill>
                 <a:effectLst/>
                 <a:latin typeface="-apple-system"/>
               </a:rPr>
-              <a:t>양성</a:t>
+              <a:t>이를 </a:t>
+            </a:r>
+            <a:r>
+              <a:rPr lang="ko-KR" altLang="en-US" b="1" i="0" dirty="0">
+                <a:solidFill>
+                  <a:srgbClr val="000000"/>
+                </a:solidFill>
+                <a:effectLst/>
+                <a:latin typeface="-apple-system"/>
+              </a:rPr>
+              <a:t>기울기 소실</a:t>
+            </a:r>
+            <a:r>
+              <a:rPr lang="en-US" altLang="ko-KR" b="1" i="0" dirty="0">
+                <a:solidFill>
+                  <a:srgbClr val="000000"/>
+                </a:solidFill>
+                <a:effectLst/>
+                <a:latin typeface="-apple-system"/>
+              </a:rPr>
+              <a:t>(Gradient Vanishing)</a:t>
+            </a:r>
+            <a:r>
+              <a:rPr lang="ko-KR" altLang="en-US" b="0" i="0" dirty="0">
+                <a:solidFill>
+                  <a:srgbClr val="000000"/>
+                </a:solidFill>
+                <a:effectLst/>
+                <a:latin typeface="-apple-system"/>
+              </a:rPr>
+              <a:t> 이라고 합니다</a:t>
             </a:r>
             <a:r>
               <a:rPr lang="en-US" altLang="ko-KR" b="0" i="0" dirty="0">
                 <a:solidFill>
-                  <a:srgbClr val="222831"/>
-                </a:solidFill>
-                <a:effectLst/>
-                <a:latin typeface="-apple-system"/>
-              </a:rPr>
-              <a:t>)</a:t>
-            </a:r>
-            <a:r>
-              <a:rPr lang="ko-KR" altLang="en-US" b="0" i="0" dirty="0">
-                <a:solidFill>
-                  <a:srgbClr val="222831"/>
-                </a:solidFill>
-                <a:effectLst/>
-                <a:latin typeface="-apple-system"/>
-              </a:rPr>
-              <a:t>인 데이터를 </a:t>
-            </a:r>
-            <a:r>
-              <a:rPr lang="en-US" altLang="ko-KR" b="0" i="0" dirty="0">
-                <a:solidFill>
-                  <a:srgbClr val="222831"/>
-                </a:solidFill>
-                <a:effectLst/>
-                <a:latin typeface="-apple-system"/>
-              </a:rPr>
-              <a:t>Negative(</a:t>
-            </a:r>
-            <a:r>
-              <a:rPr lang="ko-KR" altLang="en-US" b="0" i="0" dirty="0">
-                <a:solidFill>
-                  <a:srgbClr val="222831"/>
-                </a:solidFill>
-                <a:effectLst/>
-                <a:latin typeface="-apple-system"/>
-              </a:rPr>
-              <a:t>음성</a:t>
-            </a:r>
-            <a:r>
-              <a:rPr lang="en-US" altLang="ko-KR" b="0" i="0" dirty="0">
-                <a:solidFill>
-                  <a:srgbClr val="222831"/>
-                </a:solidFill>
-                <a:effectLst/>
-                <a:latin typeface="-apple-system"/>
-              </a:rPr>
-              <a:t>)</a:t>
-            </a:r>
-            <a:r>
-              <a:rPr lang="ko-KR" altLang="en-US" b="0" i="0" dirty="0">
-                <a:solidFill>
-                  <a:srgbClr val="222831"/>
-                </a:solidFill>
-                <a:effectLst/>
-                <a:latin typeface="-apple-system"/>
-              </a:rPr>
-              <a:t>로 잘못 판단하는 것이 큰 문제인 경우 </a:t>
-            </a:r>
-            <a:r>
-              <a:rPr lang="ko-KR" altLang="en-US" dirty="0"/>
-              <a:t>재현율</a:t>
-            </a:r>
-            <a:r>
-              <a:rPr lang="ko-KR" altLang="en-US" b="0" i="0" dirty="0">
-                <a:solidFill>
-                  <a:srgbClr val="222831"/>
-                </a:solidFill>
-                <a:effectLst/>
-                <a:latin typeface="-apple-system"/>
-              </a:rPr>
-              <a:t>이 상대적으로 더 </a:t>
-            </a:r>
-            <a:r>
-              <a:rPr lang="ko-KR" altLang="en-US" b="0" i="0" dirty="0" err="1">
-                <a:solidFill>
-                  <a:srgbClr val="222831"/>
-                </a:solidFill>
-                <a:effectLst/>
-                <a:latin typeface="-apple-system"/>
-              </a:rPr>
-              <a:t>중요해지며</a:t>
-            </a:r>
-            <a:r>
-              <a:rPr lang="en-US" altLang="ko-KR" b="0" i="0" dirty="0">
-                <a:solidFill>
-                  <a:srgbClr val="222831"/>
-                </a:solidFill>
-                <a:effectLst/>
-                <a:latin typeface="-apple-system"/>
-              </a:rPr>
-              <a:t>, </a:t>
-            </a:r>
-          </a:p>
-          <a:p>
-            <a:r>
-              <a:rPr lang="ko-KR" altLang="en-US" b="0" i="0" dirty="0">
-                <a:solidFill>
-                  <a:srgbClr val="222831"/>
-                </a:solidFill>
-                <a:effectLst/>
-                <a:latin typeface="-apple-system"/>
-              </a:rPr>
-              <a:t>스팸메일 분류모델과 같이 실제 </a:t>
-            </a:r>
-            <a:r>
-              <a:rPr lang="en-US" altLang="ko-KR" b="0" i="0" dirty="0">
-                <a:solidFill>
-                  <a:srgbClr val="222831"/>
-                </a:solidFill>
-                <a:effectLst/>
-                <a:latin typeface="-apple-system"/>
-              </a:rPr>
-              <a:t>Negative(</a:t>
-            </a:r>
-            <a:r>
-              <a:rPr lang="ko-KR" altLang="en-US" b="0" i="0" dirty="0">
-                <a:solidFill>
-                  <a:srgbClr val="222831"/>
-                </a:solidFill>
-                <a:effectLst/>
-                <a:latin typeface="-apple-system"/>
-              </a:rPr>
-              <a:t>일반메일</a:t>
-            </a:r>
-            <a:r>
-              <a:rPr lang="en-US" altLang="ko-KR" b="0" i="0" dirty="0">
-                <a:solidFill>
-                  <a:srgbClr val="222831"/>
-                </a:solidFill>
-                <a:effectLst/>
-                <a:latin typeface="-apple-system"/>
-              </a:rPr>
-              <a:t>)</a:t>
-            </a:r>
-            <a:r>
-              <a:rPr lang="ko-KR" altLang="en-US" b="0" i="0" dirty="0">
-                <a:solidFill>
-                  <a:srgbClr val="222831"/>
-                </a:solidFill>
-                <a:effectLst/>
-                <a:latin typeface="-apple-system"/>
-              </a:rPr>
-              <a:t>인 데이터를 </a:t>
-            </a:r>
-            <a:r>
-              <a:rPr lang="en-US" altLang="ko-KR" b="0" i="0" dirty="0">
-                <a:solidFill>
-                  <a:srgbClr val="222831"/>
-                </a:solidFill>
-                <a:effectLst/>
-                <a:latin typeface="-apple-system"/>
-              </a:rPr>
-              <a:t>Positive(</a:t>
-            </a:r>
-            <a:r>
-              <a:rPr lang="ko-KR" altLang="en-US" b="0" i="0" dirty="0">
-                <a:solidFill>
-                  <a:srgbClr val="222831"/>
-                </a:solidFill>
-                <a:effectLst/>
-                <a:latin typeface="-apple-system"/>
-              </a:rPr>
-              <a:t>스팸메일</a:t>
-            </a:r>
-            <a:r>
-              <a:rPr lang="en-US" altLang="ko-KR" b="0" i="0" dirty="0">
-                <a:solidFill>
-                  <a:srgbClr val="222831"/>
-                </a:solidFill>
-                <a:effectLst/>
-                <a:latin typeface="-apple-system"/>
-              </a:rPr>
-              <a:t>)</a:t>
-            </a:r>
-            <a:r>
-              <a:rPr lang="ko-KR" altLang="en-US" b="0" i="0" dirty="0">
-                <a:solidFill>
-                  <a:srgbClr val="222831"/>
-                </a:solidFill>
-                <a:effectLst/>
-                <a:latin typeface="-apple-system"/>
-              </a:rPr>
-              <a:t>로 잘못 판단하는 것이 큰 문제인 경우 </a:t>
-            </a:r>
-            <a:r>
-              <a:rPr lang="ko-KR" altLang="en-US" dirty="0"/>
-              <a:t>정밀도</a:t>
-            </a:r>
-            <a:r>
-              <a:rPr lang="ko-KR" altLang="en-US" b="0" i="0" dirty="0">
-                <a:solidFill>
-                  <a:srgbClr val="222831"/>
-                </a:solidFill>
-                <a:effectLst/>
-                <a:latin typeface="-apple-system"/>
-              </a:rPr>
-              <a:t>가 상대적으로 더 중요해지는 것이다</a:t>
-            </a:r>
-            <a:r>
-              <a:rPr lang="en-US" altLang="ko-KR" b="0" i="0" dirty="0">
-                <a:solidFill>
-                  <a:srgbClr val="222831"/>
-                </a:solidFill>
-                <a:effectLst/>
-                <a:latin typeface="-apple-system"/>
-              </a:rPr>
-              <a:t>. </a:t>
-            </a:r>
-          </a:p>
-          <a:p>
-            <a:r>
-              <a:rPr lang="ko-KR" altLang="en-US" b="0" i="0" dirty="0">
-                <a:solidFill>
-                  <a:srgbClr val="222831"/>
-                </a:solidFill>
-                <a:effectLst/>
-                <a:latin typeface="-apple-system"/>
-              </a:rPr>
-              <a:t>물론 가장 좋은 것은 두 수치 모두 높은 경우일 것이며</a:t>
-            </a:r>
-            <a:r>
-              <a:rPr lang="en-US" altLang="ko-KR" b="0" i="0" dirty="0">
-                <a:solidFill>
-                  <a:srgbClr val="222831"/>
-                </a:solidFill>
-                <a:effectLst/>
-                <a:latin typeface="-apple-system"/>
-              </a:rPr>
-              <a:t>, </a:t>
-            </a:r>
-          </a:p>
-          <a:p>
-            <a:r>
-              <a:rPr lang="ko-KR" altLang="en-US" b="0" i="0" dirty="0">
-                <a:solidFill>
-                  <a:srgbClr val="222831"/>
-                </a:solidFill>
-                <a:effectLst/>
-                <a:latin typeface="-apple-system"/>
-              </a:rPr>
-              <a:t>한 수치가 상대적으로 낮더라도 그 차이가 심해서는 안된다</a:t>
-            </a:r>
-            <a:r>
-              <a:rPr lang="en-US" altLang="ko-KR" b="0" i="0" dirty="0">
-                <a:solidFill>
-                  <a:srgbClr val="222831"/>
+                  <a:srgbClr val="000000"/>
                 </a:solidFill>
                 <a:effectLst/>
                 <a:latin typeface="-apple-system"/>
@@ -1679,6 +1524,419 @@
             <a:fld id="{96BCD374-3550-491A-9011-331780053567}" type="slidenum">
               <a:rPr lang="ko-KR" altLang="en-US" smtClean="0"/>
               <a:t>23</a:t>
+            </a:fld>
+            <a:endParaRPr lang="ko-KR" altLang="en-US"/>
+          </a:p>
+        </p:txBody>
+      </p:sp>
+    </p:spTree>
+    <p:extLst>
+      <p:ext uri="{BB962C8B-B14F-4D97-AF65-F5344CB8AC3E}">
+        <p14:creationId xmlns:p14="http://schemas.microsoft.com/office/powerpoint/2010/main" val="1101647434"/>
+      </p:ext>
+    </p:extLst>
+  </p:cSld>
+  <p:clrMapOvr>
+    <a:masterClrMapping/>
+  </p:clrMapOvr>
+</p:notes>
+</file>
+
+<file path=ppt/notesSlides/notesSlide17.xml><?xml version="1.0" encoding="utf-8"?>
+<p:notes xmlns:a="http://schemas.openxmlformats.org/drawingml/2006/main" xmlns:r="http://schemas.openxmlformats.org/officeDocument/2006/relationships" xmlns:p="http://schemas.openxmlformats.org/presentationml/2006/main">
+  <p:cSld>
+    <p:spTree>
+      <p:nvGrpSpPr>
+        <p:cNvPr id="1" name=""/>
+        <p:cNvGrpSpPr/>
+        <p:nvPr/>
+      </p:nvGrpSpPr>
+      <p:grpSpPr>
+        <a:xfrm>
+          <a:off x="0" y="0"/>
+          <a:ext cx="0" cy="0"/>
+          <a:chOff x="0" y="0"/>
+          <a:chExt cx="0" cy="0"/>
+        </a:xfrm>
+      </p:grpSpPr>
+      <p:sp>
+        <p:nvSpPr>
+          <p:cNvPr id="2" name="슬라이드 이미지 개체 틀 1"/>
+          <p:cNvSpPr>
+            <a:spLocks noGrp="1" noRot="1" noChangeAspect="1"/>
+          </p:cNvSpPr>
+          <p:nvPr>
+            <p:ph type="sldImg"/>
+          </p:nvPr>
+        </p:nvSpPr>
+        <p:spPr/>
+      </p:sp>
+      <p:sp>
+        <p:nvSpPr>
+          <p:cNvPr id="3" name="슬라이드 노트 개체 틀 2"/>
+          <p:cNvSpPr>
+            <a:spLocks noGrp="1"/>
+          </p:cNvSpPr>
+          <p:nvPr>
+            <p:ph type="body" idx="1"/>
+          </p:nvPr>
+        </p:nvSpPr>
+        <p:spPr/>
+        <p:txBody>
+          <a:bodyPr/>
+          <a:lstStyle/>
+          <a:p>
+            <a:endParaRPr lang="en-US" altLang="ko-KR" dirty="0"/>
+          </a:p>
+          <a:p>
+            <a:r>
+              <a:rPr lang="ko-KR" altLang="en-US" b="0" i="0" dirty="0">
+                <a:solidFill>
+                  <a:srgbClr val="222831"/>
+                </a:solidFill>
+                <a:effectLst/>
+                <a:latin typeface="-apple-system"/>
+              </a:rPr>
+              <a:t>정밀도와 </a:t>
+            </a:r>
+            <a:r>
+              <a:rPr lang="ko-KR" altLang="en-US" b="0" i="0" dirty="0" err="1">
+                <a:solidFill>
+                  <a:srgbClr val="222831"/>
+                </a:solidFill>
+                <a:effectLst/>
+                <a:latin typeface="-apple-system"/>
+              </a:rPr>
+              <a:t>재현율</a:t>
+            </a:r>
+            <a:r>
+              <a:rPr lang="ko-KR" altLang="en-US" b="0" i="0" dirty="0">
+                <a:solidFill>
+                  <a:srgbClr val="222831"/>
+                </a:solidFill>
+                <a:effectLst/>
+                <a:latin typeface="-apple-system"/>
+              </a:rPr>
+              <a:t> 중 어느 것이 더 중요한지는 경우에 따라 다르다</a:t>
+            </a:r>
+            <a:r>
+              <a:rPr lang="en-US" altLang="ko-KR" b="0" i="0" dirty="0">
+                <a:solidFill>
+                  <a:srgbClr val="222831"/>
+                </a:solidFill>
+                <a:effectLst/>
+                <a:latin typeface="-apple-system"/>
+              </a:rPr>
+              <a:t>. </a:t>
+            </a:r>
+          </a:p>
+          <a:p>
+            <a:r>
+              <a:rPr lang="ko-KR" altLang="en-US" b="0" i="0" dirty="0">
+                <a:solidFill>
+                  <a:srgbClr val="222831"/>
+                </a:solidFill>
+                <a:effectLst/>
+                <a:latin typeface="-apple-system"/>
+              </a:rPr>
+              <a:t>암 판단 모델과 같이 실제 </a:t>
+            </a:r>
+            <a:r>
+              <a:rPr lang="en-US" altLang="ko-KR" b="0" i="0" dirty="0">
+                <a:solidFill>
+                  <a:srgbClr val="222831"/>
+                </a:solidFill>
+                <a:effectLst/>
+                <a:latin typeface="-apple-system"/>
+              </a:rPr>
+              <a:t>Positive(</a:t>
+            </a:r>
+            <a:r>
+              <a:rPr lang="ko-KR" altLang="en-US" b="0" i="0" dirty="0">
+                <a:solidFill>
+                  <a:srgbClr val="222831"/>
+                </a:solidFill>
+                <a:effectLst/>
+                <a:latin typeface="-apple-system"/>
+              </a:rPr>
+              <a:t>양성</a:t>
+            </a:r>
+            <a:r>
+              <a:rPr lang="en-US" altLang="ko-KR" b="0" i="0" dirty="0">
+                <a:solidFill>
+                  <a:srgbClr val="222831"/>
+                </a:solidFill>
+                <a:effectLst/>
+                <a:latin typeface="-apple-system"/>
+              </a:rPr>
+              <a:t>)</a:t>
+            </a:r>
+            <a:r>
+              <a:rPr lang="ko-KR" altLang="en-US" b="0" i="0" dirty="0">
+                <a:solidFill>
+                  <a:srgbClr val="222831"/>
+                </a:solidFill>
+                <a:effectLst/>
+                <a:latin typeface="-apple-system"/>
+              </a:rPr>
+              <a:t>인 데이터를 </a:t>
+            </a:r>
+            <a:r>
+              <a:rPr lang="en-US" altLang="ko-KR" b="0" i="0" dirty="0">
+                <a:solidFill>
+                  <a:srgbClr val="222831"/>
+                </a:solidFill>
+                <a:effectLst/>
+                <a:latin typeface="-apple-system"/>
+              </a:rPr>
+              <a:t>Negative(</a:t>
+            </a:r>
+            <a:r>
+              <a:rPr lang="ko-KR" altLang="en-US" b="0" i="0" dirty="0">
+                <a:solidFill>
+                  <a:srgbClr val="222831"/>
+                </a:solidFill>
+                <a:effectLst/>
+                <a:latin typeface="-apple-system"/>
+              </a:rPr>
+              <a:t>음성</a:t>
+            </a:r>
+            <a:r>
+              <a:rPr lang="en-US" altLang="ko-KR" b="0" i="0" dirty="0">
+                <a:solidFill>
+                  <a:srgbClr val="222831"/>
+                </a:solidFill>
+                <a:effectLst/>
+                <a:latin typeface="-apple-system"/>
+              </a:rPr>
+              <a:t>)</a:t>
+            </a:r>
+            <a:r>
+              <a:rPr lang="ko-KR" altLang="en-US" b="0" i="0" dirty="0">
+                <a:solidFill>
+                  <a:srgbClr val="222831"/>
+                </a:solidFill>
+                <a:effectLst/>
+                <a:latin typeface="-apple-system"/>
+              </a:rPr>
+              <a:t>로 잘못 판단하는 것이 큰 문제인 경우 </a:t>
+            </a:r>
+            <a:r>
+              <a:rPr lang="ko-KR" altLang="en-US" dirty="0"/>
+              <a:t>재현율</a:t>
+            </a:r>
+            <a:r>
+              <a:rPr lang="ko-KR" altLang="en-US" b="0" i="0" dirty="0">
+                <a:solidFill>
+                  <a:srgbClr val="222831"/>
+                </a:solidFill>
+                <a:effectLst/>
+                <a:latin typeface="-apple-system"/>
+              </a:rPr>
+              <a:t>이 상대적으로 더 </a:t>
+            </a:r>
+            <a:r>
+              <a:rPr lang="ko-KR" altLang="en-US" b="0" i="0" dirty="0" err="1">
+                <a:solidFill>
+                  <a:srgbClr val="222831"/>
+                </a:solidFill>
+                <a:effectLst/>
+                <a:latin typeface="-apple-system"/>
+              </a:rPr>
+              <a:t>중요해지며</a:t>
+            </a:r>
+            <a:r>
+              <a:rPr lang="en-US" altLang="ko-KR" b="0" i="0" dirty="0">
+                <a:solidFill>
+                  <a:srgbClr val="222831"/>
+                </a:solidFill>
+                <a:effectLst/>
+                <a:latin typeface="-apple-system"/>
+              </a:rPr>
+              <a:t>, </a:t>
+            </a:r>
+          </a:p>
+          <a:p>
+            <a:r>
+              <a:rPr lang="ko-KR" altLang="en-US" b="0" i="0" dirty="0">
+                <a:solidFill>
+                  <a:srgbClr val="222831"/>
+                </a:solidFill>
+                <a:effectLst/>
+                <a:latin typeface="-apple-system"/>
+              </a:rPr>
+              <a:t>스팸메일 분류모델과 같이 실제 </a:t>
+            </a:r>
+            <a:r>
+              <a:rPr lang="en-US" altLang="ko-KR" b="0" i="0" dirty="0">
+                <a:solidFill>
+                  <a:srgbClr val="222831"/>
+                </a:solidFill>
+                <a:effectLst/>
+                <a:latin typeface="-apple-system"/>
+              </a:rPr>
+              <a:t>Negative(</a:t>
+            </a:r>
+            <a:r>
+              <a:rPr lang="ko-KR" altLang="en-US" b="0" i="0" dirty="0">
+                <a:solidFill>
+                  <a:srgbClr val="222831"/>
+                </a:solidFill>
+                <a:effectLst/>
+                <a:latin typeface="-apple-system"/>
+              </a:rPr>
+              <a:t>일반메일</a:t>
+            </a:r>
+            <a:r>
+              <a:rPr lang="en-US" altLang="ko-KR" b="0" i="0" dirty="0">
+                <a:solidFill>
+                  <a:srgbClr val="222831"/>
+                </a:solidFill>
+                <a:effectLst/>
+                <a:latin typeface="-apple-system"/>
+              </a:rPr>
+              <a:t>)</a:t>
+            </a:r>
+            <a:r>
+              <a:rPr lang="ko-KR" altLang="en-US" b="0" i="0" dirty="0">
+                <a:solidFill>
+                  <a:srgbClr val="222831"/>
+                </a:solidFill>
+                <a:effectLst/>
+                <a:latin typeface="-apple-system"/>
+              </a:rPr>
+              <a:t>인 데이터를 </a:t>
+            </a:r>
+            <a:r>
+              <a:rPr lang="en-US" altLang="ko-KR" b="0" i="0" dirty="0">
+                <a:solidFill>
+                  <a:srgbClr val="222831"/>
+                </a:solidFill>
+                <a:effectLst/>
+                <a:latin typeface="-apple-system"/>
+              </a:rPr>
+              <a:t>Positive(</a:t>
+            </a:r>
+            <a:r>
+              <a:rPr lang="ko-KR" altLang="en-US" b="0" i="0" dirty="0">
+                <a:solidFill>
+                  <a:srgbClr val="222831"/>
+                </a:solidFill>
+                <a:effectLst/>
+                <a:latin typeface="-apple-system"/>
+              </a:rPr>
+              <a:t>스팸메일</a:t>
+            </a:r>
+            <a:r>
+              <a:rPr lang="en-US" altLang="ko-KR" b="0" i="0" dirty="0">
+                <a:solidFill>
+                  <a:srgbClr val="222831"/>
+                </a:solidFill>
+                <a:effectLst/>
+                <a:latin typeface="-apple-system"/>
+              </a:rPr>
+              <a:t>)</a:t>
+            </a:r>
+            <a:r>
+              <a:rPr lang="ko-KR" altLang="en-US" b="0" i="0" dirty="0">
+                <a:solidFill>
+                  <a:srgbClr val="222831"/>
+                </a:solidFill>
+                <a:effectLst/>
+                <a:latin typeface="-apple-system"/>
+              </a:rPr>
+              <a:t>로 잘못 판단하는 것이 큰 문제인 경우 </a:t>
+            </a:r>
+            <a:r>
+              <a:rPr lang="ko-KR" altLang="en-US" dirty="0"/>
+              <a:t>정밀도</a:t>
+            </a:r>
+            <a:r>
+              <a:rPr lang="ko-KR" altLang="en-US" b="0" i="0" dirty="0">
+                <a:solidFill>
+                  <a:srgbClr val="222831"/>
+                </a:solidFill>
+                <a:effectLst/>
+                <a:latin typeface="-apple-system"/>
+              </a:rPr>
+              <a:t>가 상대적으로 더 중요해지는 것이다</a:t>
+            </a:r>
+            <a:r>
+              <a:rPr lang="en-US" altLang="ko-KR" b="0" i="0" dirty="0">
+                <a:solidFill>
+                  <a:srgbClr val="222831"/>
+                </a:solidFill>
+                <a:effectLst/>
+                <a:latin typeface="-apple-system"/>
+              </a:rPr>
+              <a:t>. </a:t>
+            </a:r>
+          </a:p>
+          <a:p>
+            <a:r>
+              <a:rPr lang="ko-KR" altLang="en-US" b="0" i="0" dirty="0">
+                <a:solidFill>
+                  <a:srgbClr val="222831"/>
+                </a:solidFill>
+                <a:effectLst/>
+                <a:latin typeface="-apple-system"/>
+              </a:rPr>
+              <a:t>물론 가장 좋은 것은 두 수치 모두 높은 경우일 것이며</a:t>
+            </a:r>
+            <a:r>
+              <a:rPr lang="en-US" altLang="ko-KR" b="0" i="0" dirty="0">
+                <a:solidFill>
+                  <a:srgbClr val="222831"/>
+                </a:solidFill>
+                <a:effectLst/>
+                <a:latin typeface="-apple-system"/>
+              </a:rPr>
+              <a:t>, </a:t>
+            </a:r>
+          </a:p>
+          <a:p>
+            <a:r>
+              <a:rPr lang="ko-KR" altLang="en-US" b="0" i="0" dirty="0">
+                <a:solidFill>
+                  <a:srgbClr val="222831"/>
+                </a:solidFill>
+                <a:effectLst/>
+                <a:latin typeface="-apple-system"/>
+              </a:rPr>
+              <a:t>한 수치가 상대적으로 낮더라도 그 차이가 심해서는 안된다</a:t>
+            </a:r>
+            <a:r>
+              <a:rPr lang="en-US" altLang="ko-KR" b="0" i="0" dirty="0">
+                <a:solidFill>
+                  <a:srgbClr val="222831"/>
+                </a:solidFill>
+                <a:effectLst/>
+                <a:latin typeface="-apple-system"/>
+              </a:rPr>
+              <a:t>.</a:t>
+            </a:r>
+            <a:endParaRPr lang="ko-KR" altLang="en-US" dirty="0"/>
+          </a:p>
+        </p:txBody>
+      </p:sp>
+      <p:sp>
+        <p:nvSpPr>
+          <p:cNvPr id="4" name="슬라이드 번호 개체 틀 3"/>
+          <p:cNvSpPr>
+            <a:spLocks noGrp="1"/>
+          </p:cNvSpPr>
+          <p:nvPr>
+            <p:ph type="sldNum" sz="quarter" idx="5"/>
+          </p:nvPr>
+        </p:nvSpPr>
+        <p:spPr/>
+        <p:txBody>
+          <a:bodyPr/>
+          <a:lstStyle/>
+          <a:p>
+            <a:fld id="{96BCD374-3550-491A-9011-331780053567}" type="slidenum">
+              <a:rPr lang="ko-KR" altLang="en-US" smtClean="0"/>
+              <a:t>25</a:t>
             </a:fld>
             <a:endParaRPr lang="ko-KR" altLang="en-US"/>
           </a:p>
@@ -4037,7 +4295,7 @@
           <a:p>
             <a:fld id="{90775BE1-9027-4D7F-92AC-3DE3C283D292}" type="datetimeFigureOut">
               <a:rPr lang="ko-KR" altLang="en-US" smtClean="0"/>
-              <a:t>2023-03-08</a:t>
+              <a:t>2023-03-13</a:t>
             </a:fld>
             <a:endParaRPr lang="ko-KR" altLang="en-US"/>
           </a:p>
@@ -4235,7 +4493,7 @@
           <a:p>
             <a:fld id="{90775BE1-9027-4D7F-92AC-3DE3C283D292}" type="datetimeFigureOut">
               <a:rPr lang="ko-KR" altLang="en-US" smtClean="0"/>
-              <a:t>2023-03-08</a:t>
+              <a:t>2023-03-13</a:t>
             </a:fld>
             <a:endParaRPr lang="ko-KR" altLang="en-US"/>
           </a:p>
@@ -4443,7 +4701,7 @@
           <a:p>
             <a:fld id="{90775BE1-9027-4D7F-92AC-3DE3C283D292}" type="datetimeFigureOut">
               <a:rPr lang="ko-KR" altLang="en-US" smtClean="0"/>
-              <a:t>2023-03-08</a:t>
+              <a:t>2023-03-13</a:t>
             </a:fld>
             <a:endParaRPr lang="ko-KR" altLang="en-US"/>
           </a:p>
@@ -4641,7 +4899,7 @@
           <a:p>
             <a:fld id="{90775BE1-9027-4D7F-92AC-3DE3C283D292}" type="datetimeFigureOut">
               <a:rPr lang="ko-KR" altLang="en-US" smtClean="0"/>
-              <a:t>2023-03-08</a:t>
+              <a:t>2023-03-13</a:t>
             </a:fld>
             <a:endParaRPr lang="ko-KR" altLang="en-US"/>
           </a:p>
@@ -4916,7 +5174,7 @@
           <a:p>
             <a:fld id="{90775BE1-9027-4D7F-92AC-3DE3C283D292}" type="datetimeFigureOut">
               <a:rPr lang="ko-KR" altLang="en-US" smtClean="0"/>
-              <a:t>2023-03-08</a:t>
+              <a:t>2023-03-13</a:t>
             </a:fld>
             <a:endParaRPr lang="ko-KR" altLang="en-US"/>
           </a:p>
@@ -5181,7 +5439,7 @@
           <a:p>
             <a:fld id="{90775BE1-9027-4D7F-92AC-3DE3C283D292}" type="datetimeFigureOut">
               <a:rPr lang="ko-KR" altLang="en-US" smtClean="0"/>
-              <a:t>2023-03-08</a:t>
+              <a:t>2023-03-13</a:t>
             </a:fld>
             <a:endParaRPr lang="ko-KR" altLang="en-US"/>
           </a:p>
@@ -5593,7 +5851,7 @@
           <a:p>
             <a:fld id="{90775BE1-9027-4D7F-92AC-3DE3C283D292}" type="datetimeFigureOut">
               <a:rPr lang="ko-KR" altLang="en-US" smtClean="0"/>
-              <a:t>2023-03-08</a:t>
+              <a:t>2023-03-13</a:t>
             </a:fld>
             <a:endParaRPr lang="ko-KR" altLang="en-US"/>
           </a:p>
@@ -5734,7 +5992,7 @@
           <a:p>
             <a:fld id="{90775BE1-9027-4D7F-92AC-3DE3C283D292}" type="datetimeFigureOut">
               <a:rPr lang="ko-KR" altLang="en-US" smtClean="0"/>
-              <a:t>2023-03-08</a:t>
+              <a:t>2023-03-13</a:t>
             </a:fld>
             <a:endParaRPr lang="ko-KR" altLang="en-US"/>
           </a:p>
@@ -5847,7 +6105,7 @@
           <a:p>
             <a:fld id="{90775BE1-9027-4D7F-92AC-3DE3C283D292}" type="datetimeFigureOut">
               <a:rPr lang="ko-KR" altLang="en-US" smtClean="0"/>
-              <a:t>2023-03-08</a:t>
+              <a:t>2023-03-13</a:t>
             </a:fld>
             <a:endParaRPr lang="ko-KR" altLang="en-US"/>
           </a:p>
@@ -6158,7 +6416,7 @@
           <a:p>
             <a:fld id="{90775BE1-9027-4D7F-92AC-3DE3C283D292}" type="datetimeFigureOut">
               <a:rPr lang="ko-KR" altLang="en-US" smtClean="0"/>
-              <a:t>2023-03-08</a:t>
+              <a:t>2023-03-13</a:t>
             </a:fld>
             <a:endParaRPr lang="ko-KR" altLang="en-US"/>
           </a:p>
@@ -6446,7 +6704,7 @@
           <a:p>
             <a:fld id="{90775BE1-9027-4D7F-92AC-3DE3C283D292}" type="datetimeFigureOut">
               <a:rPr lang="ko-KR" altLang="en-US" smtClean="0"/>
-              <a:t>2023-03-08</a:t>
+              <a:t>2023-03-13</a:t>
             </a:fld>
             <a:endParaRPr lang="ko-KR" altLang="en-US"/>
           </a:p>
@@ -6696,7 +6954,7 @@
           <a:p>
             <a:fld id="{90775BE1-9027-4D7F-92AC-3DE3C283D292}" type="datetimeFigureOut">
               <a:rPr lang="ko-KR" altLang="en-US" smtClean="0"/>
-              <a:t>2023-03-08</a:t>
+              <a:t>2023-03-13</a:t>
             </a:fld>
             <a:endParaRPr lang="ko-KR" altLang="en-US"/>
           </a:p>
@@ -9354,6 +9612,303 @@
 </file>
 
 <file path=ppt/slides/slide23.xml><?xml version="1.0" encoding="utf-8"?>
+<p:sld xmlns:a="http://schemas.openxmlformats.org/drawingml/2006/main" xmlns:r="http://schemas.openxmlformats.org/officeDocument/2006/relationships" xmlns:p="http://schemas.openxmlformats.org/presentationml/2006/main">
+  <p:cSld>
+    <p:spTree>
+      <p:nvGrpSpPr>
+        <p:cNvPr id="1" name=""/>
+        <p:cNvGrpSpPr/>
+        <p:nvPr/>
+      </p:nvGrpSpPr>
+      <p:grpSpPr>
+        <a:xfrm>
+          <a:off x="0" y="0"/>
+          <a:ext cx="0" cy="0"/>
+          <a:chOff x="0" y="0"/>
+          <a:chExt cx="0" cy="0"/>
+        </a:xfrm>
+      </p:grpSpPr>
+      <p:pic>
+        <p:nvPicPr>
+          <p:cNvPr id="1026" name="Picture 2" descr="An unrolled recurrent neural network.">
+            <a:extLst>
+              <a:ext uri="{FF2B5EF4-FFF2-40B4-BE49-F238E27FC236}">
+                <a16:creationId xmlns:a16="http://schemas.microsoft.com/office/drawing/2014/main" id="{124210F7-5806-EC21-8AC4-7100FB2EF00F}"/>
+              </a:ext>
+            </a:extLst>
+          </p:cNvPr>
+          <p:cNvPicPr>
+            <a:picLocks noChangeAspect="1" noChangeArrowheads="1"/>
+          </p:cNvPicPr>
+          <p:nvPr/>
+        </p:nvPicPr>
+        <p:blipFill>
+          <a:blip r:embed="rId3">
+            <a:extLst>
+              <a:ext uri="{28A0092B-C50C-407E-A947-70E740481C1C}">
+                <a14:useLocalDpi xmlns:a14="http://schemas.microsoft.com/office/drawing/2010/main" val="0"/>
+              </a:ext>
+            </a:extLst>
+          </a:blip>
+          <a:srcRect/>
+          <a:stretch>
+            <a:fillRect/>
+          </a:stretch>
+        </p:blipFill>
+        <p:spPr bwMode="auto">
+          <a:xfrm>
+            <a:off x="1057984" y="2105209"/>
+            <a:ext cx="10076033" cy="2647583"/>
+          </a:xfrm>
+          <a:prstGeom prst="rect">
+            <a:avLst/>
+          </a:prstGeom>
+          <a:noFill/>
+          <a:extLst>
+            <a:ext uri="{909E8E84-426E-40DD-AFC4-6F175D3DCCD1}">
+              <a14:hiddenFill xmlns:a14="http://schemas.microsoft.com/office/drawing/2010/main">
+                <a:solidFill>
+                  <a:srgbClr val="FFFFFF"/>
+                </a:solidFill>
+              </a14:hiddenFill>
+            </a:ext>
+          </a:extLst>
+        </p:spPr>
+      </p:pic>
+      <p:sp>
+        <p:nvSpPr>
+          <p:cNvPr id="4" name="TextBox 3">
+            <a:extLst>
+              <a:ext uri="{FF2B5EF4-FFF2-40B4-BE49-F238E27FC236}">
+                <a16:creationId xmlns:a16="http://schemas.microsoft.com/office/drawing/2014/main" id="{E09578DB-0B11-FCF3-7D6B-75DD452D66B7}"/>
+              </a:ext>
+            </a:extLst>
+          </p:cNvPr>
+          <p:cNvSpPr txBox="1"/>
+          <p:nvPr/>
+        </p:nvSpPr>
+        <p:spPr>
+          <a:xfrm>
+            <a:off x="358331" y="225784"/>
+            <a:ext cx="6097554" cy="369332"/>
+          </a:xfrm>
+          <a:prstGeom prst="rect">
+            <a:avLst/>
+          </a:prstGeom>
+          <a:noFill/>
+        </p:spPr>
+        <p:txBody>
+          <a:bodyPr wrap="square">
+            <a:spAutoFit/>
+          </a:bodyPr>
+          <a:lstStyle/>
+          <a:p>
+            <a:r>
+              <a:rPr lang="en-US" altLang="ko-KR" dirty="0"/>
+              <a:t>RNN</a:t>
+            </a:r>
+            <a:endParaRPr lang="ko-KR" altLang="en-US" dirty="0"/>
+          </a:p>
+        </p:txBody>
+      </p:sp>
+      <p:sp>
+        <p:nvSpPr>
+          <p:cNvPr id="6" name="TextBox 5">
+            <a:extLst>
+              <a:ext uri="{FF2B5EF4-FFF2-40B4-BE49-F238E27FC236}">
+                <a16:creationId xmlns:a16="http://schemas.microsoft.com/office/drawing/2014/main" id="{FE1734EA-B820-E325-956A-5FA3CFD52631}"/>
+              </a:ext>
+            </a:extLst>
+          </p:cNvPr>
+          <p:cNvSpPr txBox="1"/>
+          <p:nvPr/>
+        </p:nvSpPr>
+        <p:spPr>
+          <a:xfrm>
+            <a:off x="1330036" y="5592679"/>
+            <a:ext cx="6096000" cy="369332"/>
+          </a:xfrm>
+          <a:prstGeom prst="rect">
+            <a:avLst/>
+          </a:prstGeom>
+          <a:noFill/>
+        </p:spPr>
+        <p:txBody>
+          <a:bodyPr wrap="square">
+            <a:spAutoFit/>
+          </a:bodyPr>
+          <a:lstStyle/>
+          <a:p>
+            <a:pPr algn="l"/>
+            <a:r>
+              <a:rPr lang="ko-KR" altLang="en-US" b="1" i="0" dirty="0">
+                <a:solidFill>
+                  <a:srgbClr val="000000"/>
+                </a:solidFill>
+                <a:effectLst/>
+                <a:latin typeface="Apple SD Gothic Neo"/>
+              </a:rPr>
+              <a:t>문제 </a:t>
+            </a:r>
+            <a:r>
+              <a:rPr lang="en-US" altLang="ko-KR" b="1" dirty="0">
+                <a:solidFill>
+                  <a:srgbClr val="000000"/>
+                </a:solidFill>
+                <a:latin typeface="Apple SD Gothic Neo"/>
+              </a:rPr>
+              <a:t>: </a:t>
+            </a:r>
+            <a:r>
+              <a:rPr lang="ko-KR" altLang="en-US" b="1" i="0" dirty="0">
+                <a:solidFill>
+                  <a:srgbClr val="000000"/>
+                </a:solidFill>
+                <a:effectLst/>
+                <a:latin typeface="Apple SD Gothic Neo"/>
+              </a:rPr>
+              <a:t>기울기 소실</a:t>
+            </a:r>
+            <a:r>
+              <a:rPr lang="en-US" altLang="ko-KR" b="1" i="0" dirty="0">
+                <a:solidFill>
+                  <a:srgbClr val="000000"/>
+                </a:solidFill>
+                <a:effectLst/>
+                <a:latin typeface="Apple SD Gothic Neo"/>
+              </a:rPr>
+              <a:t>(Gradient Vanishing)</a:t>
+            </a:r>
+          </a:p>
+        </p:txBody>
+      </p:sp>
+    </p:spTree>
+    <p:extLst>
+      <p:ext uri="{BB962C8B-B14F-4D97-AF65-F5344CB8AC3E}">
+        <p14:creationId xmlns:p14="http://schemas.microsoft.com/office/powerpoint/2010/main" val="2446410880"/>
+      </p:ext>
+    </p:extLst>
+  </p:cSld>
+  <p:clrMapOvr>
+    <a:masterClrMapping/>
+  </p:clrMapOvr>
+</p:sld>
+</file>
+
+<file path=ppt/slides/slide24.xml><?xml version="1.0" encoding="utf-8"?>
+<p:sld xmlns:a="http://schemas.openxmlformats.org/drawingml/2006/main" xmlns:r="http://schemas.openxmlformats.org/officeDocument/2006/relationships" xmlns:p="http://schemas.openxmlformats.org/presentationml/2006/main">
+  <p:cSld>
+    <p:spTree>
+      <p:nvGrpSpPr>
+        <p:cNvPr id="1" name=""/>
+        <p:cNvGrpSpPr/>
+        <p:nvPr/>
+      </p:nvGrpSpPr>
+      <p:grpSpPr>
+        <a:xfrm>
+          <a:off x="0" y="0"/>
+          <a:ext cx="0" cy="0"/>
+          <a:chOff x="0" y="0"/>
+          <a:chExt cx="0" cy="0"/>
+        </a:xfrm>
+      </p:grpSpPr>
+      <p:sp>
+        <p:nvSpPr>
+          <p:cNvPr id="4" name="TextBox 3">
+            <a:extLst>
+              <a:ext uri="{FF2B5EF4-FFF2-40B4-BE49-F238E27FC236}">
+                <a16:creationId xmlns:a16="http://schemas.microsoft.com/office/drawing/2014/main" id="{E09578DB-0B11-FCF3-7D6B-75DD452D66B7}"/>
+              </a:ext>
+            </a:extLst>
+          </p:cNvPr>
+          <p:cNvSpPr txBox="1"/>
+          <p:nvPr/>
+        </p:nvSpPr>
+        <p:spPr>
+          <a:xfrm>
+            <a:off x="358331" y="225784"/>
+            <a:ext cx="6097554" cy="369332"/>
+          </a:xfrm>
+          <a:prstGeom prst="rect">
+            <a:avLst/>
+          </a:prstGeom>
+          <a:noFill/>
+        </p:spPr>
+        <p:txBody>
+          <a:bodyPr wrap="square">
+            <a:spAutoFit/>
+          </a:bodyPr>
+          <a:lstStyle/>
+          <a:p>
+            <a:r>
+              <a:rPr lang="en-US" altLang="ko-KR" dirty="0"/>
+              <a:t>LSTM</a:t>
+            </a:r>
+            <a:endParaRPr lang="ko-KR" altLang="en-US" dirty="0"/>
+          </a:p>
+        </p:txBody>
+      </p:sp>
+      <p:pic>
+        <p:nvPicPr>
+          <p:cNvPr id="2050" name="Picture 2" descr="A LSTM neural network.">
+            <a:extLst>
+              <a:ext uri="{FF2B5EF4-FFF2-40B4-BE49-F238E27FC236}">
+                <a16:creationId xmlns:a16="http://schemas.microsoft.com/office/drawing/2014/main" id="{C7AF3882-6164-345A-B2E6-38B1EEE2BDFA}"/>
+              </a:ext>
+            </a:extLst>
+          </p:cNvPr>
+          <p:cNvPicPr>
+            <a:picLocks noChangeAspect="1" noChangeArrowheads="1"/>
+          </p:cNvPicPr>
+          <p:nvPr/>
+        </p:nvPicPr>
+        <p:blipFill>
+          <a:blip r:embed="rId2">
+            <a:extLst>
+              <a:ext uri="{28A0092B-C50C-407E-A947-70E740481C1C}">
+                <a14:useLocalDpi xmlns:a14="http://schemas.microsoft.com/office/drawing/2010/main" val="0"/>
+              </a:ext>
+            </a:extLst>
+          </a:blip>
+          <a:srcRect/>
+          <a:stretch>
+            <a:fillRect/>
+          </a:stretch>
+        </p:blipFill>
+        <p:spPr bwMode="auto">
+          <a:xfrm>
+            <a:off x="1515985" y="1707916"/>
+            <a:ext cx="9160030" cy="3442168"/>
+          </a:xfrm>
+          <a:prstGeom prst="rect">
+            <a:avLst/>
+          </a:prstGeom>
+          <a:noFill/>
+          <a:extLst>
+            <a:ext uri="{909E8E84-426E-40DD-AFC4-6F175D3DCCD1}">
+              <a14:hiddenFill xmlns:a14="http://schemas.microsoft.com/office/drawing/2010/main">
+                <a:solidFill>
+                  <a:srgbClr val="FFFFFF"/>
+                </a:solidFill>
+              </a14:hiddenFill>
+            </a:ext>
+          </a:extLst>
+        </p:spPr>
+      </p:pic>
+    </p:spTree>
+    <p:extLst>
+      <p:ext uri="{BB962C8B-B14F-4D97-AF65-F5344CB8AC3E}">
+        <p14:creationId xmlns:p14="http://schemas.microsoft.com/office/powerpoint/2010/main" val="742446470"/>
+      </p:ext>
+    </p:extLst>
+  </p:cSld>
+  <p:clrMapOvr>
+    <a:masterClrMapping/>
+  </p:clrMapOvr>
+</p:sld>
+</file>
+
+<file path=ppt/slides/slide25.xml><?xml version="1.0" encoding="utf-8"?>
 <p:sld xmlns:a="http://schemas.openxmlformats.org/drawingml/2006/main" xmlns:r="http://schemas.openxmlformats.org/officeDocument/2006/relationships" xmlns:p="http://schemas.openxmlformats.org/presentationml/2006/main">
   <p:cSld>
     <p:spTree>
